--- a/SDLC Final/SDLC Final PP.pptx
+++ b/SDLC Final/SDLC Final PP.pptx
@@ -4816,7 +4816,7 @@
           <a:p>
             <a:fld id="{2318B7D4-9984-4EEF-8EE5-BFB8C3FD1845}" type="datetimeFigureOut">
               <a:rPr lang="en-US" smtClean="0"/>
-              <a:t>4/15/2024</a:t>
+              <a:t>4/16/2024</a:t>
             </a:fld>
             <a:endParaRPr lang="en-US"/>
           </a:p>
@@ -5067,7 +5067,7 @@
           <a:p>
             <a:fld id="{2318B7D4-9984-4EEF-8EE5-BFB8C3FD1845}" type="datetimeFigureOut">
               <a:rPr lang="en-US" smtClean="0"/>
-              <a:t>4/15/2024</a:t>
+              <a:t>4/16/2024</a:t>
             </a:fld>
             <a:endParaRPr lang="en-US"/>
           </a:p>
@@ -5381,7 +5381,7 @@
           <a:p>
             <a:fld id="{2318B7D4-9984-4EEF-8EE5-BFB8C3FD1845}" type="datetimeFigureOut">
               <a:rPr lang="en-US" smtClean="0"/>
-              <a:t>4/15/2024</a:t>
+              <a:t>4/16/2024</a:t>
             </a:fld>
             <a:endParaRPr lang="en-US"/>
           </a:p>
@@ -5722,7 +5722,7 @@
           <a:p>
             <a:fld id="{2318B7D4-9984-4EEF-8EE5-BFB8C3FD1845}" type="datetimeFigureOut">
               <a:rPr lang="en-US" smtClean="0"/>
-              <a:t>4/15/2024</a:t>
+              <a:t>4/16/2024</a:t>
             </a:fld>
             <a:endParaRPr lang="en-US"/>
           </a:p>
@@ -6036,7 +6036,7 @@
           <a:p>
             <a:fld id="{2318B7D4-9984-4EEF-8EE5-BFB8C3FD1845}" type="datetimeFigureOut">
               <a:rPr lang="en-US" smtClean="0"/>
-              <a:t>4/15/2024</a:t>
+              <a:t>4/16/2024</a:t>
             </a:fld>
             <a:endParaRPr lang="en-US"/>
           </a:p>
@@ -6429,7 +6429,7 @@
           <a:p>
             <a:fld id="{2318B7D4-9984-4EEF-8EE5-BFB8C3FD1845}" type="datetimeFigureOut">
               <a:rPr lang="en-US" smtClean="0"/>
-              <a:t>4/15/2024</a:t>
+              <a:t>4/16/2024</a:t>
             </a:fld>
             <a:endParaRPr lang="en-US"/>
           </a:p>
@@ -6599,7 +6599,7 @@
           <a:p>
             <a:fld id="{2318B7D4-9984-4EEF-8EE5-BFB8C3FD1845}" type="datetimeFigureOut">
               <a:rPr lang="en-US" smtClean="0"/>
-              <a:t>4/15/2024</a:t>
+              <a:t>4/16/2024</a:t>
             </a:fld>
             <a:endParaRPr lang="en-US"/>
           </a:p>
@@ -6779,7 +6779,7 @@
           <a:p>
             <a:fld id="{2318B7D4-9984-4EEF-8EE5-BFB8C3FD1845}" type="datetimeFigureOut">
               <a:rPr lang="en-US" smtClean="0"/>
-              <a:t>4/15/2024</a:t>
+              <a:t>4/16/2024</a:t>
             </a:fld>
             <a:endParaRPr lang="en-US"/>
           </a:p>
@@ -6955,7 +6955,7 @@
           <a:p>
             <a:fld id="{2318B7D4-9984-4EEF-8EE5-BFB8C3FD1845}" type="datetimeFigureOut">
               <a:rPr lang="en-US" smtClean="0"/>
-              <a:t>4/15/2024</a:t>
+              <a:t>4/16/2024</a:t>
             </a:fld>
             <a:endParaRPr lang="en-US"/>
           </a:p>
@@ -7202,7 +7202,7 @@
           <a:p>
             <a:fld id="{2318B7D4-9984-4EEF-8EE5-BFB8C3FD1845}" type="datetimeFigureOut">
               <a:rPr lang="en-US" smtClean="0"/>
-              <a:t>4/15/2024</a:t>
+              <a:t>4/16/2024</a:t>
             </a:fld>
             <a:endParaRPr lang="en-US"/>
           </a:p>
@@ -7434,7 +7434,7 @@
           <a:p>
             <a:fld id="{2318B7D4-9984-4EEF-8EE5-BFB8C3FD1845}" type="datetimeFigureOut">
               <a:rPr lang="en-US" smtClean="0"/>
-              <a:t>4/15/2024</a:t>
+              <a:t>4/16/2024</a:t>
             </a:fld>
             <a:endParaRPr lang="en-US"/>
           </a:p>
@@ -7808,7 +7808,7 @@
           <a:p>
             <a:fld id="{2318B7D4-9984-4EEF-8EE5-BFB8C3FD1845}" type="datetimeFigureOut">
               <a:rPr lang="en-US" smtClean="0"/>
-              <a:t>4/15/2024</a:t>
+              <a:t>4/16/2024</a:t>
             </a:fld>
             <a:endParaRPr lang="en-US"/>
           </a:p>
@@ -7931,7 +7931,7 @@
           <a:p>
             <a:fld id="{2318B7D4-9984-4EEF-8EE5-BFB8C3FD1845}" type="datetimeFigureOut">
               <a:rPr lang="en-US" smtClean="0"/>
-              <a:t>4/15/2024</a:t>
+              <a:t>4/16/2024</a:t>
             </a:fld>
             <a:endParaRPr lang="en-US"/>
           </a:p>
@@ -8026,7 +8026,7 @@
           <a:p>
             <a:fld id="{2318B7D4-9984-4EEF-8EE5-BFB8C3FD1845}" type="datetimeFigureOut">
               <a:rPr lang="en-US" smtClean="0"/>
-              <a:t>4/15/2024</a:t>
+              <a:t>4/16/2024</a:t>
             </a:fld>
             <a:endParaRPr lang="en-US"/>
           </a:p>
@@ -8281,7 +8281,7 @@
           <a:p>
             <a:fld id="{2318B7D4-9984-4EEF-8EE5-BFB8C3FD1845}" type="datetimeFigureOut">
               <a:rPr lang="en-US" smtClean="0"/>
-              <a:t>4/15/2024</a:t>
+              <a:t>4/16/2024</a:t>
             </a:fld>
             <a:endParaRPr lang="en-US"/>
           </a:p>
@@ -8544,7 +8544,7 @@
           <a:p>
             <a:fld id="{2318B7D4-9984-4EEF-8EE5-BFB8C3FD1845}" type="datetimeFigureOut">
               <a:rPr lang="en-US" smtClean="0"/>
-              <a:t>4/15/2024</a:t>
+              <a:t>4/16/2024</a:t>
             </a:fld>
             <a:endParaRPr lang="en-US"/>
           </a:p>
@@ -9287,7 +9287,7 @@
           <a:p>
             <a:fld id="{2318B7D4-9984-4EEF-8EE5-BFB8C3FD1845}" type="datetimeFigureOut">
               <a:rPr lang="en-US" smtClean="0"/>
-              <a:t>4/15/2024</a:t>
+              <a:t>4/16/2024</a:t>
             </a:fld>
             <a:endParaRPr lang="en-US"/>
           </a:p>
@@ -10045,12 +10045,107 @@
             <p:ph idx="1"/>
           </p:nvPr>
         </p:nvSpPr>
-        <p:spPr/>
-        <p:txBody>
-          <a:bodyPr/>
+        <p:spPr>
+          <a:xfrm>
+            <a:off x="677334" y="1822663"/>
+            <a:ext cx="8596668" cy="4218699"/>
+          </a:xfrm>
+        </p:spPr>
+        <p:txBody>
+          <a:bodyPr>
+            <a:normAutofit fontScale="62500" lnSpcReduction="20000"/>
+          </a:bodyPr>
           <a:lstStyle/>
           <a:p>
-            <a:endParaRPr lang="en-US"/>
+            <a:r>
+              <a:rPr lang="en-US" b="1" dirty="0"/>
+              <a:t>Phase 1: Planning</a:t>
+            </a:r>
+          </a:p>
+          <a:p>
+            <a:pPr lvl="1"/>
+            <a:r>
+              <a:rPr lang="en-US" dirty="0"/>
+              <a:t>Initialization of product backlog, cost estimations and requirements are defined.</a:t>
+            </a:r>
+          </a:p>
+          <a:p>
+            <a:r>
+              <a:rPr lang="en-US" b="1" dirty="0"/>
+              <a:t>Phase 2: Analysis</a:t>
+            </a:r>
+          </a:p>
+          <a:p>
+            <a:pPr lvl="1"/>
+            <a:r>
+              <a:rPr lang="en-US" dirty="0"/>
+              <a:t>Information is gathered from the client and the team analysis it in order to understand all the details of the project, and create realistic expectations for how it can be implemented into the project.</a:t>
+            </a:r>
+          </a:p>
+          <a:p>
+            <a:r>
+              <a:rPr lang="en-US" b="1" dirty="0"/>
+              <a:t>Phase 3: Design</a:t>
+            </a:r>
+          </a:p>
+          <a:p>
+            <a:pPr lvl="1"/>
+            <a:r>
+              <a:rPr lang="en-US" dirty="0"/>
+              <a:t>The project is designed by the developer team, deciding things like language to use and other high level requirements. The team makes lower level changes as the project is iterated over.</a:t>
+            </a:r>
+          </a:p>
+          <a:p>
+            <a:r>
+              <a:rPr lang="en-US" b="1" dirty="0"/>
+              <a:t>Phase 4: Implementation</a:t>
+            </a:r>
+          </a:p>
+          <a:p>
+            <a:pPr lvl="1"/>
+            <a:r>
+              <a:rPr lang="en-US" dirty="0"/>
+              <a:t>The project is broken down into user stories and the development team starts building.</a:t>
+            </a:r>
+          </a:p>
+          <a:p>
+            <a:r>
+              <a:rPr lang="en-US" b="1" dirty="0"/>
+              <a:t>Phase 5: Testing</a:t>
+            </a:r>
+          </a:p>
+          <a:p>
+            <a:pPr lvl="1"/>
+            <a:r>
+              <a:rPr lang="en-US" dirty="0"/>
+              <a:t>Functionality if the system is tested and checked for errors, reworking the code to solve any bugs. Testing is also completed throughout the implementation process</a:t>
+            </a:r>
+          </a:p>
+          <a:p>
+            <a:r>
+              <a:rPr lang="en-US" b="1" dirty="0"/>
+              <a:t>Phase 6: Deployment</a:t>
+            </a:r>
+          </a:p>
+          <a:p>
+            <a:pPr lvl="1"/>
+            <a:r>
+              <a:rPr lang="en-US" dirty="0"/>
+              <a:t>Feature are deployed when they meet the minimum viable definition of done. Users are given information and documentation so they understand the program and how to use it. </a:t>
+            </a:r>
+          </a:p>
+          <a:p>
+            <a:r>
+              <a:rPr lang="en-US" b="1" dirty="0"/>
+              <a:t>Phase 7: Maintenance</a:t>
+            </a:r>
+          </a:p>
+          <a:p>
+            <a:pPr lvl="1"/>
+            <a:r>
+              <a:rPr lang="en-US" dirty="0"/>
+              <a:t>Feedback is taken from users and the development team can begin a new agile cycle, iterating over the project again and refining the software.</a:t>
+            </a:r>
           </a:p>
         </p:txBody>
       </p:sp>

--- a/SDLC Final/SDLC Final PP.pptx
+++ b/SDLC Final/SDLC Final PP.pptx
@@ -10592,8 +10592,44 @@
           <a:p>
             <a:r>
               <a:rPr lang="en-US" sz="1200" dirty="0"/>
-              <a:t>Overeem, B. (2016). Characteristics of a Great Scrum Team. Scrum.org. https://scrumorg-website-prod.s3.amazonaws.com/drupal/2016-08/Characteristics%20of%20a%20Great%20Scrum%20Team.pdf</a:t>
-            </a:r>
+              <a:t>Overeem, B. (2016). Characteristics of a Great Scrum Team. Scrum.org. </a:t>
+            </a:r>
+            <a:r>
+              <a:rPr lang="en-US" sz="1200" dirty="0">
+                <a:hlinkClick r:id="rId2"/>
+              </a:rPr>
+              <a:t>https://scrumorg-website-prod.s3.amazonaws.com/drupal/2016-08/Characteristics%20of%20a%20Great%20Scrum%20Team.pdf</a:t>
+            </a:r>
+            <a:endParaRPr lang="en-US" sz="1200" dirty="0"/>
+          </a:p>
+          <a:p>
+            <a:r>
+              <a:rPr lang="en-US" sz="1200" dirty="0" err="1">
+                <a:effectLst/>
+              </a:rPr>
+              <a:t>Thampy</a:t>
+            </a:r>
+            <a:r>
+              <a:rPr lang="en-US" sz="1200" dirty="0">
+                <a:effectLst/>
+              </a:rPr>
+              <a:t>, R. (2022, September 5). </a:t>
+            </a:r>
+            <a:r>
+              <a:rPr lang="en-US" sz="1200" i="1" dirty="0">
+                <a:effectLst/>
+              </a:rPr>
+              <a:t>7 stages of SDLC: 7 phases of SDLC Software Development Life cycle</a:t>
+            </a:r>
+            <a:r>
+              <a:rPr lang="en-US" sz="1200" dirty="0">
+                <a:effectLst/>
+              </a:rPr>
+              <a:t>. BETSOL. https://www.betsol.com/blog/7-stages-of-sdlc-how-to-keep-development-teams-running/ </a:t>
+            </a:r>
+          </a:p>
+          <a:p>
+            <a:endParaRPr lang="en-US" sz="1200" dirty="0"/>
           </a:p>
           <a:p>
             <a:endParaRPr lang="en-US" sz="1200" dirty="0"/>

--- a/SDLC Final/SDLC Final PP.pptx
+++ b/SDLC Final/SDLC Final PP.pptx
@@ -4816,7 +4816,7 @@
           <a:p>
             <a:fld id="{2318B7D4-9984-4EEF-8EE5-BFB8C3FD1845}" type="datetimeFigureOut">
               <a:rPr lang="en-US" smtClean="0"/>
-              <a:t>4/16/2024</a:t>
+              <a:t>4/21/2024</a:t>
             </a:fld>
             <a:endParaRPr lang="en-US"/>
           </a:p>
@@ -5067,7 +5067,7 @@
           <a:p>
             <a:fld id="{2318B7D4-9984-4EEF-8EE5-BFB8C3FD1845}" type="datetimeFigureOut">
               <a:rPr lang="en-US" smtClean="0"/>
-              <a:t>4/16/2024</a:t>
+              <a:t>4/21/2024</a:t>
             </a:fld>
             <a:endParaRPr lang="en-US"/>
           </a:p>
@@ -5381,7 +5381,7 @@
           <a:p>
             <a:fld id="{2318B7D4-9984-4EEF-8EE5-BFB8C3FD1845}" type="datetimeFigureOut">
               <a:rPr lang="en-US" smtClean="0"/>
-              <a:t>4/16/2024</a:t>
+              <a:t>4/21/2024</a:t>
             </a:fld>
             <a:endParaRPr lang="en-US"/>
           </a:p>
@@ -5722,7 +5722,7 @@
           <a:p>
             <a:fld id="{2318B7D4-9984-4EEF-8EE5-BFB8C3FD1845}" type="datetimeFigureOut">
               <a:rPr lang="en-US" smtClean="0"/>
-              <a:t>4/16/2024</a:t>
+              <a:t>4/21/2024</a:t>
             </a:fld>
             <a:endParaRPr lang="en-US"/>
           </a:p>
@@ -6036,7 +6036,7 @@
           <a:p>
             <a:fld id="{2318B7D4-9984-4EEF-8EE5-BFB8C3FD1845}" type="datetimeFigureOut">
               <a:rPr lang="en-US" smtClean="0"/>
-              <a:t>4/16/2024</a:t>
+              <a:t>4/21/2024</a:t>
             </a:fld>
             <a:endParaRPr lang="en-US"/>
           </a:p>
@@ -6429,7 +6429,7 @@
           <a:p>
             <a:fld id="{2318B7D4-9984-4EEF-8EE5-BFB8C3FD1845}" type="datetimeFigureOut">
               <a:rPr lang="en-US" smtClean="0"/>
-              <a:t>4/16/2024</a:t>
+              <a:t>4/21/2024</a:t>
             </a:fld>
             <a:endParaRPr lang="en-US"/>
           </a:p>
@@ -6599,7 +6599,7 @@
           <a:p>
             <a:fld id="{2318B7D4-9984-4EEF-8EE5-BFB8C3FD1845}" type="datetimeFigureOut">
               <a:rPr lang="en-US" smtClean="0"/>
-              <a:t>4/16/2024</a:t>
+              <a:t>4/21/2024</a:t>
             </a:fld>
             <a:endParaRPr lang="en-US"/>
           </a:p>
@@ -6779,7 +6779,7 @@
           <a:p>
             <a:fld id="{2318B7D4-9984-4EEF-8EE5-BFB8C3FD1845}" type="datetimeFigureOut">
               <a:rPr lang="en-US" smtClean="0"/>
-              <a:t>4/16/2024</a:t>
+              <a:t>4/21/2024</a:t>
             </a:fld>
             <a:endParaRPr lang="en-US"/>
           </a:p>
@@ -6955,7 +6955,7 @@
           <a:p>
             <a:fld id="{2318B7D4-9984-4EEF-8EE5-BFB8C3FD1845}" type="datetimeFigureOut">
               <a:rPr lang="en-US" smtClean="0"/>
-              <a:t>4/16/2024</a:t>
+              <a:t>4/21/2024</a:t>
             </a:fld>
             <a:endParaRPr lang="en-US"/>
           </a:p>
@@ -7202,7 +7202,7 @@
           <a:p>
             <a:fld id="{2318B7D4-9984-4EEF-8EE5-BFB8C3FD1845}" type="datetimeFigureOut">
               <a:rPr lang="en-US" smtClean="0"/>
-              <a:t>4/16/2024</a:t>
+              <a:t>4/21/2024</a:t>
             </a:fld>
             <a:endParaRPr lang="en-US"/>
           </a:p>
@@ -7434,7 +7434,7 @@
           <a:p>
             <a:fld id="{2318B7D4-9984-4EEF-8EE5-BFB8C3FD1845}" type="datetimeFigureOut">
               <a:rPr lang="en-US" smtClean="0"/>
-              <a:t>4/16/2024</a:t>
+              <a:t>4/21/2024</a:t>
             </a:fld>
             <a:endParaRPr lang="en-US"/>
           </a:p>
@@ -7808,7 +7808,7 @@
           <a:p>
             <a:fld id="{2318B7D4-9984-4EEF-8EE5-BFB8C3FD1845}" type="datetimeFigureOut">
               <a:rPr lang="en-US" smtClean="0"/>
-              <a:t>4/16/2024</a:t>
+              <a:t>4/21/2024</a:t>
             </a:fld>
             <a:endParaRPr lang="en-US"/>
           </a:p>
@@ -7931,7 +7931,7 @@
           <a:p>
             <a:fld id="{2318B7D4-9984-4EEF-8EE5-BFB8C3FD1845}" type="datetimeFigureOut">
               <a:rPr lang="en-US" smtClean="0"/>
-              <a:t>4/16/2024</a:t>
+              <a:t>4/21/2024</a:t>
             </a:fld>
             <a:endParaRPr lang="en-US"/>
           </a:p>
@@ -8026,7 +8026,7 @@
           <a:p>
             <a:fld id="{2318B7D4-9984-4EEF-8EE5-BFB8C3FD1845}" type="datetimeFigureOut">
               <a:rPr lang="en-US" smtClean="0"/>
-              <a:t>4/16/2024</a:t>
+              <a:t>4/21/2024</a:t>
             </a:fld>
             <a:endParaRPr lang="en-US"/>
           </a:p>
@@ -8281,7 +8281,7 @@
           <a:p>
             <a:fld id="{2318B7D4-9984-4EEF-8EE5-BFB8C3FD1845}" type="datetimeFigureOut">
               <a:rPr lang="en-US" smtClean="0"/>
-              <a:t>4/16/2024</a:t>
+              <a:t>4/21/2024</a:t>
             </a:fld>
             <a:endParaRPr lang="en-US"/>
           </a:p>
@@ -8544,7 +8544,7 @@
           <a:p>
             <a:fld id="{2318B7D4-9984-4EEF-8EE5-BFB8C3FD1845}" type="datetimeFigureOut">
               <a:rPr lang="en-US" smtClean="0"/>
-              <a:t>4/16/2024</a:t>
+              <a:t>4/21/2024</a:t>
             </a:fld>
             <a:endParaRPr lang="en-US"/>
           </a:p>
@@ -9287,7 +9287,7 @@
           <a:p>
             <a:fld id="{2318B7D4-9984-4EEF-8EE5-BFB8C3FD1845}" type="datetimeFigureOut">
               <a:rPr lang="en-US" smtClean="0"/>
-              <a:t>4/16/2024</a:t>
+              <a:t>4/21/2024</a:t>
             </a:fld>
             <a:endParaRPr lang="en-US"/>
           </a:p>

--- a/SDLC Final/SDLC Final PP.pptx
+++ b/SDLC Final/SDLC Final PP.pptx
@@ -9,7 +9,7 @@
     <p:sldId id="258" r:id="rId3"/>
     <p:sldId id="260" r:id="rId4"/>
     <p:sldId id="257" r:id="rId5"/>
-    <p:sldId id="261" r:id="rId6"/>
+    <p:sldId id="263" r:id="rId6"/>
     <p:sldId id="262" r:id="rId7"/>
   </p:sldIdLst>
   <p:sldSz cx="12192000" cy="6858000"/>
@@ -10258,17 +10258,25 @@
           <a:p>
             <a:r>
               <a:rPr lang="en-US" dirty="0"/>
-              <a:t>One thing</a:t>
-            </a:r>
-          </a:p>
-          <a:p>
-            <a:r>
-              <a:rPr lang="en-US" dirty="0" err="1"/>
-              <a:t>Anothing</a:t>
-            </a:r>
+              <a:t>Originally designed for use in construction and manufacturing</a:t>
+            </a:r>
+          </a:p>
+          <a:p>
             <a:r>
               <a:rPr lang="en-US" dirty="0"/>
-              <a:t> thing</a:t>
+              <a:t>Isolated discrete phases that don’t overlap</a:t>
+            </a:r>
+          </a:p>
+          <a:p>
+            <a:r>
+              <a:rPr lang="en-US" dirty="0"/>
+              <a:t>All planning done before project begins</a:t>
+            </a:r>
+          </a:p>
+          <a:p>
+            <a:r>
+              <a:rPr lang="en-US" dirty="0"/>
+              <a:t>Linear approach, completing one phase before moving on to the next</a:t>
             </a:r>
           </a:p>
         </p:txBody>
@@ -10324,13 +10332,25 @@
           <a:p>
             <a:r>
               <a:rPr lang="en-US" dirty="0"/>
-              <a:t>Something</a:t>
+              <a:t>Ideology emerged specifically in the software world</a:t>
             </a:r>
           </a:p>
           <a:p>
             <a:r>
               <a:rPr lang="en-US" dirty="0"/>
-              <a:t>Something else</a:t>
+              <a:t>Iterative process where phases are repeated in a cyclical process</a:t>
+            </a:r>
+          </a:p>
+          <a:p>
+            <a:r>
+              <a:rPr lang="en-US" dirty="0"/>
+              <a:t>Project planning happens incrementally and iteratively during development</a:t>
+            </a:r>
+          </a:p>
+          <a:p>
+            <a:r>
+              <a:rPr lang="en-US" dirty="0"/>
+              <a:t>Projects completed in cycles</a:t>
             </a:r>
           </a:p>
         </p:txBody>
@@ -10370,7 +10390,7 @@
           <p:cNvPr id="2" name="Title 1">
             <a:extLst>
               <a:ext uri="{FF2B5EF4-FFF2-40B4-BE49-F238E27FC236}">
-                <a16:creationId xmlns:a16="http://schemas.microsoft.com/office/drawing/2014/main" id="{BE37030E-A7FB-2E76-03E3-9AF34C54F51D}"/>
+                <a16:creationId xmlns:a16="http://schemas.microsoft.com/office/drawing/2014/main" id="{A6CA1588-32DF-3413-3728-63B089158F3D}"/>
               </a:ext>
             </a:extLst>
           </p:cNvPr>
@@ -10388,17 +10408,24 @@
           <a:p>
             <a:r>
               <a:rPr lang="en-US" dirty="0"/>
-              <a:t>Factors to consider</a:t>
+              <a:t>Factors to Consider </a:t>
+            </a:r>
+            <a:br>
+              <a:rPr lang="en-US" dirty="0"/>
+            </a:br>
+            <a:r>
+              <a:rPr lang="en-US" sz="2000" dirty="0"/>
+              <a:t>when choosing your project framework</a:t>
             </a:r>
           </a:p>
         </p:txBody>
       </p:sp>
       <p:sp>
         <p:nvSpPr>
-          <p:cNvPr id="3" name="Text Placeholder 2">
+          <p:cNvPr id="3" name="Content Placeholder 2">
             <a:extLst>
               <a:ext uri="{FF2B5EF4-FFF2-40B4-BE49-F238E27FC236}">
-                <a16:creationId xmlns:a16="http://schemas.microsoft.com/office/drawing/2014/main" id="{4B68E20B-FF8B-674B-9A12-D8E1220BC213}"/>
+                <a16:creationId xmlns:a16="http://schemas.microsoft.com/office/drawing/2014/main" id="{AB7D746F-4231-9EDD-4823-42043D005E29}"/>
               </a:ext>
             </a:extLst>
           </p:cNvPr>
@@ -10406,7 +10433,7 @@
             <a:spLocks noGrp="1"/>
           </p:cNvSpPr>
           <p:nvPr>
-            <p:ph type="body" idx="1"/>
+            <p:ph idx="1"/>
           </p:nvPr>
         </p:nvSpPr>
         <p:spPr/>
@@ -10416,95 +10443,48 @@
           <a:p>
             <a:r>
               <a:rPr lang="en-US" dirty="0"/>
-              <a:t>Waterfall</a:t>
-            </a:r>
-          </a:p>
-        </p:txBody>
-      </p:sp>
-      <p:sp>
-        <p:nvSpPr>
-          <p:cNvPr id="4" name="Content Placeholder 3">
-            <a:extLst>
-              <a:ext uri="{FF2B5EF4-FFF2-40B4-BE49-F238E27FC236}">
-                <a16:creationId xmlns:a16="http://schemas.microsoft.com/office/drawing/2014/main" id="{E0730E0E-2406-1C42-A69E-2072D432FF00}"/>
-              </a:ext>
-            </a:extLst>
-          </p:cNvPr>
-          <p:cNvSpPr>
-            <a:spLocks noGrp="1"/>
-          </p:cNvSpPr>
-          <p:nvPr>
-            <p:ph sz="half" idx="2"/>
-          </p:nvPr>
-        </p:nvSpPr>
-        <p:spPr/>
-        <p:txBody>
-          <a:bodyPr/>
-          <a:lstStyle/>
-          <a:p>
+              <a:t>Project requirements</a:t>
+            </a:r>
+          </a:p>
+          <a:p>
+            <a:pPr lvl="1"/>
             <a:r>
               <a:rPr lang="en-US" dirty="0"/>
-              <a:t>How the project would work with waterfall</a:t>
-            </a:r>
-          </a:p>
-        </p:txBody>
-      </p:sp>
-      <p:sp>
-        <p:nvSpPr>
-          <p:cNvPr id="5" name="Text Placeholder 4">
-            <a:extLst>
-              <a:ext uri="{FF2B5EF4-FFF2-40B4-BE49-F238E27FC236}">
-                <a16:creationId xmlns:a16="http://schemas.microsoft.com/office/drawing/2014/main" id="{CB3BB212-D2B3-02D9-0559-8E39918DFE45}"/>
-              </a:ext>
-            </a:extLst>
-          </p:cNvPr>
-          <p:cNvSpPr>
-            <a:spLocks noGrp="1"/>
-          </p:cNvSpPr>
-          <p:nvPr>
-            <p:ph type="body" sz="quarter" idx="3"/>
-          </p:nvPr>
-        </p:nvSpPr>
-        <p:spPr/>
-        <p:txBody>
-          <a:bodyPr/>
-          <a:lstStyle/>
+              <a:t>Waterfall would be good if you know the exact scope of the project, while agile is going to give you a more flexible approach</a:t>
+            </a:r>
+          </a:p>
           <a:p>
             <a:r>
               <a:rPr lang="en-US" dirty="0"/>
-              <a:t>Agile</a:t>
-            </a:r>
-          </a:p>
-        </p:txBody>
-      </p:sp>
-      <p:sp>
-        <p:nvSpPr>
-          <p:cNvPr id="6" name="Content Placeholder 5">
-            <a:extLst>
-              <a:ext uri="{FF2B5EF4-FFF2-40B4-BE49-F238E27FC236}">
-                <a16:creationId xmlns:a16="http://schemas.microsoft.com/office/drawing/2014/main" id="{4251EBDF-80F9-409E-4DD5-207C062EF20B}"/>
-              </a:ext>
-            </a:extLst>
-          </p:cNvPr>
-          <p:cNvSpPr>
-            <a:spLocks noGrp="1"/>
-          </p:cNvSpPr>
-          <p:nvPr>
-            <p:ph sz="quarter" idx="4"/>
-          </p:nvPr>
-        </p:nvSpPr>
-        <p:spPr/>
-        <p:txBody>
-          <a:bodyPr/>
-          <a:lstStyle/>
-          <a:p>
+              <a:t>Client needs and involvement</a:t>
+            </a:r>
+          </a:p>
+          <a:p>
+            <a:pPr lvl="1"/>
             <a:r>
               <a:rPr lang="en-US" dirty="0"/>
-              <a:t>How the project would work </a:t>
+              <a:t>With waterfall, the client is involved in the very beginning of the project, while in agile, they continue to communicate with the team throughout the project</a:t>
+            </a:r>
+          </a:p>
+          <a:p>
+            <a:r>
+              <a:rPr lang="en-US" dirty="0"/>
+              <a:t>Project Budget</a:t>
+            </a:r>
+          </a:p>
+          <a:p>
+            <a:pPr lvl="1"/>
+            <a:r>
+              <a:rPr lang="en-US" dirty="0"/>
+              <a:t>Waterfall is excellent if you know exactly how much a project is going to cost from the get-go, but with many software projects, the cost can change throughout </a:t>
             </a:r>
             <a:r>
               <a:rPr lang="en-US"/>
-              <a:t>with agile</a:t>
+              <a:t>the project, </a:t>
+            </a:r>
+            <a:r>
+              <a:rPr lang="en-US" dirty="0"/>
+              <a:t>and an agile approach might be better</a:t>
             </a:r>
           </a:p>
         </p:txBody>
@@ -10512,7 +10492,7 @@
     </p:spTree>
     <p:extLst>
       <p:ext uri="{BB962C8B-B14F-4D97-AF65-F5344CB8AC3E}">
-        <p14:creationId xmlns:p14="http://schemas.microsoft.com/office/powerpoint/2010/main" val="770868314"/>
+        <p14:creationId xmlns:p14="http://schemas.microsoft.com/office/powerpoint/2010/main" val="334977857"/>
       </p:ext>
     </p:extLst>
   </p:cSld>
@@ -10627,6 +10607,44 @@
               </a:rPr>
               <a:t>. BETSOL. https://www.betsol.com/blog/7-stages-of-sdlc-how-to-keep-development-teams-running/ </a:t>
             </a:r>
+            <a:endParaRPr lang="en-US" sz="1200" dirty="0"/>
+          </a:p>
+          <a:p>
+            <a:r>
+              <a:rPr lang="en-US" sz="1200" dirty="0" err="1">
+                <a:effectLst/>
+              </a:rPr>
+              <a:t>DeClute</a:t>
+            </a:r>
+            <a:r>
+              <a:rPr lang="en-US" sz="1200" dirty="0">
+                <a:effectLst/>
+              </a:rPr>
+              <a:t>, D. (2023, May 8). </a:t>
+            </a:r>
+            <a:r>
+              <a:rPr lang="en-US" sz="1200" i="1" dirty="0">
+                <a:effectLst/>
+              </a:rPr>
+              <a:t>Scrum vs. waterfall: What’s the difference?: </a:t>
+            </a:r>
+            <a:r>
+              <a:rPr lang="en-US" sz="1200" i="1" dirty="0" err="1">
+                <a:effectLst/>
+              </a:rPr>
+              <a:t>Theserverside</a:t>
+            </a:r>
+            <a:r>
+              <a:rPr lang="en-US" sz="1200" dirty="0">
+                <a:effectLst/>
+              </a:rPr>
+              <a:t>. TheServerSide.com. https://www.theserverside.com/tip/Scrum-vs-Waterfall-Whats-the-difference </a:t>
+            </a:r>
+          </a:p>
+          <a:p>
+            <a:endParaRPr lang="en-US" sz="1200" dirty="0">
+              <a:effectLst/>
+            </a:endParaRPr>
           </a:p>
           <a:p>
             <a:endParaRPr lang="en-US" sz="1200" dirty="0"/>

--- a/SDLC Final/SDLC Final PP.pptx
+++ b/SDLC Final/SDLC Final PP.pptx
@@ -9865,6 +9865,12 @@
               <a:t>Making an informed decision to transfer to an agile mindset</a:t>
             </a:r>
           </a:p>
+          <a:p>
+            <a:r>
+              <a:rPr lang="en-US" dirty="0"/>
+              <a:t>Alex Surprenant</a:t>
+            </a:r>
+          </a:p>
         </p:txBody>
       </p:sp>
     </p:spTree>
